--- a/Tdd/StringCalculator Kata.pptx
+++ b/Tdd/StringCalculator Kata.pptx
@@ -261,7 +261,7 @@
           <a:p>
             <a:fld id="{71493C04-D230-4A80-A012-FEA258F99CFF}" type="datetimeFigureOut">
               <a:rPr lang="ru-RU" smtClean="0"/>
-              <a:t>30.04.2015</a:t>
+              <a:t>23.07.2015</a:t>
             </a:fld>
             <a:endParaRPr lang="ru-RU"/>
           </a:p>
@@ -431,7 +431,7 @@
           <a:p>
             <a:fld id="{71493C04-D230-4A80-A012-FEA258F99CFF}" type="datetimeFigureOut">
               <a:rPr lang="ru-RU" smtClean="0"/>
-              <a:t>30.04.2015</a:t>
+              <a:t>23.07.2015</a:t>
             </a:fld>
             <a:endParaRPr lang="ru-RU"/>
           </a:p>
@@ -611,7 +611,7 @@
           <a:p>
             <a:fld id="{71493C04-D230-4A80-A012-FEA258F99CFF}" type="datetimeFigureOut">
               <a:rPr lang="ru-RU" smtClean="0"/>
-              <a:t>30.04.2015</a:t>
+              <a:t>23.07.2015</a:t>
             </a:fld>
             <a:endParaRPr lang="ru-RU"/>
           </a:p>
@@ -781,7 +781,7 @@
           <a:p>
             <a:fld id="{71493C04-D230-4A80-A012-FEA258F99CFF}" type="datetimeFigureOut">
               <a:rPr lang="ru-RU" smtClean="0"/>
-              <a:t>30.04.2015</a:t>
+              <a:t>23.07.2015</a:t>
             </a:fld>
             <a:endParaRPr lang="ru-RU"/>
           </a:p>
@@ -1025,7 +1025,7 @@
           <a:p>
             <a:fld id="{71493C04-D230-4A80-A012-FEA258F99CFF}" type="datetimeFigureOut">
               <a:rPr lang="ru-RU" smtClean="0"/>
-              <a:t>30.04.2015</a:t>
+              <a:t>23.07.2015</a:t>
             </a:fld>
             <a:endParaRPr lang="ru-RU"/>
           </a:p>
@@ -1405,7 +1405,7 @@
           <a:p>
             <a:fld id="{71493C04-D230-4A80-A012-FEA258F99CFF}" type="datetimeFigureOut">
               <a:rPr lang="ru-RU" smtClean="0"/>
-              <a:t>30.04.2015</a:t>
+              <a:t>23.07.2015</a:t>
             </a:fld>
             <a:endParaRPr lang="ru-RU"/>
           </a:p>
@@ -1772,7 +1772,7 @@
           <a:p>
             <a:fld id="{71493C04-D230-4A80-A012-FEA258F99CFF}" type="datetimeFigureOut">
               <a:rPr lang="ru-RU" smtClean="0"/>
-              <a:t>30.04.2015</a:t>
+              <a:t>23.07.2015</a:t>
             </a:fld>
             <a:endParaRPr lang="ru-RU"/>
           </a:p>
@@ -1890,7 +1890,7 @@
           <a:p>
             <a:fld id="{71493C04-D230-4A80-A012-FEA258F99CFF}" type="datetimeFigureOut">
               <a:rPr lang="ru-RU" smtClean="0"/>
-              <a:t>30.04.2015</a:t>
+              <a:t>23.07.2015</a:t>
             </a:fld>
             <a:endParaRPr lang="ru-RU"/>
           </a:p>
@@ -1985,7 +1985,7 @@
           <a:p>
             <a:fld id="{71493C04-D230-4A80-A012-FEA258F99CFF}" type="datetimeFigureOut">
               <a:rPr lang="ru-RU" smtClean="0"/>
-              <a:t>30.04.2015</a:t>
+              <a:t>23.07.2015</a:t>
             </a:fld>
             <a:endParaRPr lang="ru-RU"/>
           </a:p>
@@ -2262,7 +2262,7 @@
           <a:p>
             <a:fld id="{71493C04-D230-4A80-A012-FEA258F99CFF}" type="datetimeFigureOut">
               <a:rPr lang="ru-RU" smtClean="0"/>
-              <a:t>30.04.2015</a:t>
+              <a:t>23.07.2015</a:t>
             </a:fld>
             <a:endParaRPr lang="ru-RU"/>
           </a:p>
@@ -2519,7 +2519,7 @@
           <a:p>
             <a:fld id="{71493C04-D230-4A80-A012-FEA258F99CFF}" type="datetimeFigureOut">
               <a:rPr lang="ru-RU" smtClean="0"/>
-              <a:t>30.04.2015</a:t>
+              <a:t>23.07.2015</a:t>
             </a:fld>
             <a:endParaRPr lang="ru-RU"/>
           </a:p>
@@ -2732,7 +2732,7 @@
           <a:p>
             <a:fld id="{71493C04-D230-4A80-A012-FEA258F99CFF}" type="datetimeFigureOut">
               <a:rPr lang="ru-RU" smtClean="0"/>
-              <a:t>30.04.2015</a:t>
+              <a:t>23.07.2015</a:t>
             </a:fld>
             <a:endParaRPr lang="ru-RU"/>
           </a:p>
@@ -12139,15 +12139,6 @@
               </a:rPr>
               <a:t>{</a:t>
             </a:r>
-            <a:endParaRPr lang="ru-RU" sz="1200" dirty="0" smtClean="0">
-              <a:solidFill>
-                <a:srgbClr val="000000"/>
-              </a:solidFill>
-              <a:highlight>
-                <a:srgbClr val="FFFFFF"/>
-              </a:highlight>
-              <a:latin typeface="Consolas" panose="020B0609020204030204" pitchFamily="49" charset="0"/>
-            </a:endParaRPr>
           </a:p>
           <a:p>
             <a:r>
@@ -12572,15 +12563,6 @@
               </a:rPr>
               <a:t>}</a:t>
             </a:r>
-            <a:endParaRPr lang="ru-RU" sz="1200" dirty="0" smtClean="0">
-              <a:solidFill>
-                <a:srgbClr val="000000"/>
-              </a:solidFill>
-              <a:highlight>
-                <a:srgbClr val="FFFFFF"/>
-              </a:highlight>
-              <a:latin typeface="Consolas" panose="020B0609020204030204" pitchFamily="49" charset="0"/>
-            </a:endParaRPr>
           </a:p>
           <a:p>
             <a:r>
@@ -12880,15 +12862,6 @@
               </a:rPr>
               <a:t>{</a:t>
             </a:r>
-            <a:endParaRPr lang="ru-RU" sz="1200" dirty="0" smtClean="0">
-              <a:solidFill>
-                <a:srgbClr val="000000"/>
-              </a:solidFill>
-              <a:highlight>
-                <a:srgbClr val="FFFFFF"/>
-              </a:highlight>
-              <a:latin typeface="Consolas" panose="020B0609020204030204" pitchFamily="49" charset="0"/>
-            </a:endParaRPr>
           </a:p>
           <a:p>
             <a:r>
@@ -12998,18 +12971,6 @@
                 <a:latin typeface="Consolas" panose="020B0609020204030204" pitchFamily="49" charset="0"/>
               </a:rPr>
               <a:t>)</a:t>
-            </a:r>
-            <a:r>
-              <a:rPr lang="en-US" sz="1200" dirty="0" smtClean="0">
-                <a:solidFill>
-                  <a:srgbClr val="000000"/>
-                </a:solidFill>
-                <a:highlight>
-                  <a:srgbClr val="FFFFFF"/>
-                </a:highlight>
-                <a:latin typeface="Consolas" panose="020B0609020204030204" pitchFamily="49" charset="0"/>
-              </a:rPr>
-              <a:t/>
             </a:r>
             <a:br>
               <a:rPr lang="en-US" sz="1200" dirty="0" smtClean="0">
@@ -15066,7 +15027,7 @@
               <a:t>calc.Add</a:t>
             </a:r>
             <a:r>
-              <a:rPr lang="en-US" sz="1200" dirty="0">
+              <a:rPr lang="en-US" sz="1200" dirty="0" smtClean="0">
                 <a:solidFill>
                   <a:srgbClr val="000000"/>
                 </a:solidFill>
@@ -15078,7 +15039,7 @@
               <a:t>(</a:t>
             </a:r>
             <a:r>
-              <a:rPr lang="en-US" sz="1200" dirty="0">
+              <a:rPr lang="en-US" sz="1200" dirty="0" smtClean="0">
                 <a:solidFill>
                   <a:srgbClr val="A31515"/>
                 </a:solidFill>
@@ -15087,10 +15048,10 @@
                 </a:highlight>
                 <a:latin typeface="Consolas" panose="020B0609020204030204" pitchFamily="49" charset="0"/>
               </a:rPr>
-              <a:t>""</a:t>
-            </a:r>
-            <a:r>
-              <a:rPr lang="en-US" sz="1200" dirty="0">
+              <a:t>“42"</a:t>
+            </a:r>
+            <a:r>
+              <a:rPr lang="en-US" sz="1200" dirty="0" smtClean="0">
                 <a:solidFill>
                   <a:srgbClr val="000000"/>
                 </a:solidFill>
@@ -15101,6 +15062,15 @@
               </a:rPr>
               <a:t>);</a:t>
             </a:r>
+            <a:endParaRPr lang="en-US" sz="1200" dirty="0">
+              <a:solidFill>
+                <a:srgbClr val="000000"/>
+              </a:solidFill>
+              <a:highlight>
+                <a:srgbClr val="FFFFFF"/>
+              </a:highlight>
+              <a:latin typeface="Consolas" panose="020B0609020204030204" pitchFamily="49" charset="0"/>
+            </a:endParaRPr>
           </a:p>
           <a:p>
             <a:r>
@@ -15116,7 +15086,7 @@
               <a:t>    </a:t>
             </a:r>
             <a:r>
-              <a:rPr lang="en-US" sz="1200" dirty="0" err="1">
+              <a:rPr lang="en-US" sz="1200" dirty="0" err="1" smtClean="0">
                 <a:solidFill>
                   <a:srgbClr val="2B91AF"/>
                 </a:solidFill>
@@ -15128,7 +15098,7 @@
               <a:t>Assert</a:t>
             </a:r>
             <a:r>
-              <a:rPr lang="en-US" sz="1200" dirty="0" err="1">
+              <a:rPr lang="en-US" sz="1200" dirty="0" err="1" smtClean="0">
                 <a:solidFill>
                   <a:srgbClr val="000000"/>
                 </a:solidFill>
@@ -15140,16 +15110,28 @@
               <a:t>.AreEqual</a:t>
             </a:r>
             <a:r>
-              <a:rPr lang="en-US" sz="1200" dirty="0">
-                <a:solidFill>
-                  <a:srgbClr val="000000"/>
-                </a:solidFill>
-                <a:highlight>
-                  <a:srgbClr val="FFFFFF"/>
-                </a:highlight>
-                <a:latin typeface="Consolas" panose="020B0609020204030204" pitchFamily="49" charset="0"/>
-              </a:rPr>
-              <a:t>(0, result);</a:t>
+              <a:rPr lang="en-US" sz="1200" dirty="0" smtClean="0">
+                <a:solidFill>
+                  <a:srgbClr val="000000"/>
+                </a:solidFill>
+                <a:highlight>
+                  <a:srgbClr val="FFFFFF"/>
+                </a:highlight>
+                <a:latin typeface="Consolas" panose="020B0609020204030204" pitchFamily="49" charset="0"/>
+              </a:rPr>
+              <a:t>(42, </a:t>
+            </a:r>
+            <a:r>
+              <a:rPr lang="en-US" sz="1200" dirty="0">
+                <a:solidFill>
+                  <a:srgbClr val="000000"/>
+                </a:solidFill>
+                <a:highlight>
+                  <a:srgbClr val="FFFFFF"/>
+                </a:highlight>
+                <a:latin typeface="Consolas" panose="020B0609020204030204" pitchFamily="49" charset="0"/>
+              </a:rPr>
+              <a:t>result);</a:t>
             </a:r>
           </a:p>
           <a:p>
@@ -18304,7 +18286,7 @@
               <a:t>calc.Add</a:t>
             </a:r>
             <a:r>
-              <a:rPr lang="en-US" sz="1200" dirty="0">
+              <a:rPr lang="en-US" sz="1200" dirty="0" smtClean="0">
                 <a:solidFill>
                   <a:srgbClr val="000000"/>
                 </a:solidFill>
@@ -18316,7 +18298,7 @@
               <a:t>(</a:t>
             </a:r>
             <a:r>
-              <a:rPr lang="en-US" sz="1200" dirty="0">
+              <a:rPr lang="en-US" sz="1200" dirty="0" smtClean="0">
                 <a:solidFill>
                   <a:srgbClr val="A31515"/>
                 </a:solidFill>
@@ -18325,10 +18307,10 @@
                 </a:highlight>
                 <a:latin typeface="Consolas" panose="020B0609020204030204" pitchFamily="49" charset="0"/>
               </a:rPr>
-              <a:t>""</a:t>
-            </a:r>
-            <a:r>
-              <a:rPr lang="en-US" sz="1200" dirty="0">
+              <a:t>“42"</a:t>
+            </a:r>
+            <a:r>
+              <a:rPr lang="en-US" sz="1200" dirty="0" smtClean="0">
                 <a:solidFill>
                   <a:srgbClr val="000000"/>
                 </a:solidFill>
@@ -18339,6 +18321,15 @@
               </a:rPr>
               <a:t>);</a:t>
             </a:r>
+            <a:endParaRPr lang="en-US" sz="1200" dirty="0">
+              <a:solidFill>
+                <a:srgbClr val="000000"/>
+              </a:solidFill>
+              <a:highlight>
+                <a:srgbClr val="FFFFFF"/>
+              </a:highlight>
+              <a:latin typeface="Consolas" panose="020B0609020204030204" pitchFamily="49" charset="0"/>
+            </a:endParaRPr>
           </a:p>
           <a:p>
             <a:r>
@@ -18354,7 +18345,7 @@
               <a:t>    </a:t>
             </a:r>
             <a:r>
-              <a:rPr lang="en-US" sz="1200" dirty="0" err="1">
+              <a:rPr lang="en-US" sz="1200" dirty="0" err="1" smtClean="0">
                 <a:solidFill>
                   <a:srgbClr val="2B91AF"/>
                 </a:solidFill>
@@ -18366,7 +18357,7 @@
               <a:t>Assert</a:t>
             </a:r>
             <a:r>
-              <a:rPr lang="en-US" sz="1200" dirty="0" err="1">
+              <a:rPr lang="en-US" sz="1200" dirty="0" err="1" smtClean="0">
                 <a:solidFill>
                   <a:srgbClr val="000000"/>
                 </a:solidFill>
@@ -18378,16 +18369,28 @@
               <a:t>.AreEqual</a:t>
             </a:r>
             <a:r>
-              <a:rPr lang="en-US" sz="1200" dirty="0">
-                <a:solidFill>
-                  <a:srgbClr val="000000"/>
-                </a:solidFill>
-                <a:highlight>
-                  <a:srgbClr val="FFFFFF"/>
-                </a:highlight>
-                <a:latin typeface="Consolas" panose="020B0609020204030204" pitchFamily="49" charset="0"/>
-              </a:rPr>
-              <a:t>(0, result);</a:t>
+              <a:rPr lang="en-US" sz="1200" dirty="0" smtClean="0">
+                <a:solidFill>
+                  <a:srgbClr val="000000"/>
+                </a:solidFill>
+                <a:highlight>
+                  <a:srgbClr val="FFFFFF"/>
+                </a:highlight>
+                <a:latin typeface="Consolas" panose="020B0609020204030204" pitchFamily="49" charset="0"/>
+              </a:rPr>
+              <a:t>(42, </a:t>
+            </a:r>
+            <a:r>
+              <a:rPr lang="en-US" sz="1200" dirty="0">
+                <a:solidFill>
+                  <a:srgbClr val="000000"/>
+                </a:solidFill>
+                <a:highlight>
+                  <a:srgbClr val="FFFFFF"/>
+                </a:highlight>
+                <a:latin typeface="Consolas" panose="020B0609020204030204" pitchFamily="49" charset="0"/>
+              </a:rPr>
+              <a:t>result);</a:t>
             </a:r>
           </a:p>
           <a:p>

--- a/Tdd/StringCalculator Kata.pptx
+++ b/Tdd/StringCalculator Kata.pptx
@@ -261,7 +261,7 @@
           <a:p>
             <a:fld id="{71493C04-D230-4A80-A012-FEA258F99CFF}" type="datetimeFigureOut">
               <a:rPr lang="ru-RU" smtClean="0"/>
-              <a:t>23.07.2015</a:t>
+              <a:t>20.08.2015</a:t>
             </a:fld>
             <a:endParaRPr lang="ru-RU"/>
           </a:p>
@@ -431,7 +431,7 @@
           <a:p>
             <a:fld id="{71493C04-D230-4A80-A012-FEA258F99CFF}" type="datetimeFigureOut">
               <a:rPr lang="ru-RU" smtClean="0"/>
-              <a:t>23.07.2015</a:t>
+              <a:t>20.08.2015</a:t>
             </a:fld>
             <a:endParaRPr lang="ru-RU"/>
           </a:p>
@@ -611,7 +611,7 @@
           <a:p>
             <a:fld id="{71493C04-D230-4A80-A012-FEA258F99CFF}" type="datetimeFigureOut">
               <a:rPr lang="ru-RU" smtClean="0"/>
-              <a:t>23.07.2015</a:t>
+              <a:t>20.08.2015</a:t>
             </a:fld>
             <a:endParaRPr lang="ru-RU"/>
           </a:p>
@@ -781,7 +781,7 @@
           <a:p>
             <a:fld id="{71493C04-D230-4A80-A012-FEA258F99CFF}" type="datetimeFigureOut">
               <a:rPr lang="ru-RU" smtClean="0"/>
-              <a:t>23.07.2015</a:t>
+              <a:t>20.08.2015</a:t>
             </a:fld>
             <a:endParaRPr lang="ru-RU"/>
           </a:p>
@@ -1025,7 +1025,7 @@
           <a:p>
             <a:fld id="{71493C04-D230-4A80-A012-FEA258F99CFF}" type="datetimeFigureOut">
               <a:rPr lang="ru-RU" smtClean="0"/>
-              <a:t>23.07.2015</a:t>
+              <a:t>20.08.2015</a:t>
             </a:fld>
             <a:endParaRPr lang="ru-RU"/>
           </a:p>
@@ -1405,7 +1405,7 @@
           <a:p>
             <a:fld id="{71493C04-D230-4A80-A012-FEA258F99CFF}" type="datetimeFigureOut">
               <a:rPr lang="ru-RU" smtClean="0"/>
-              <a:t>23.07.2015</a:t>
+              <a:t>20.08.2015</a:t>
             </a:fld>
             <a:endParaRPr lang="ru-RU"/>
           </a:p>
@@ -1772,7 +1772,7 @@
           <a:p>
             <a:fld id="{71493C04-D230-4A80-A012-FEA258F99CFF}" type="datetimeFigureOut">
               <a:rPr lang="ru-RU" smtClean="0"/>
-              <a:t>23.07.2015</a:t>
+              <a:t>20.08.2015</a:t>
             </a:fld>
             <a:endParaRPr lang="ru-RU"/>
           </a:p>
@@ -1890,7 +1890,7 @@
           <a:p>
             <a:fld id="{71493C04-D230-4A80-A012-FEA258F99CFF}" type="datetimeFigureOut">
               <a:rPr lang="ru-RU" smtClean="0"/>
-              <a:t>23.07.2015</a:t>
+              <a:t>20.08.2015</a:t>
             </a:fld>
             <a:endParaRPr lang="ru-RU"/>
           </a:p>
@@ -1985,7 +1985,7 @@
           <a:p>
             <a:fld id="{71493C04-D230-4A80-A012-FEA258F99CFF}" type="datetimeFigureOut">
               <a:rPr lang="ru-RU" smtClean="0"/>
-              <a:t>23.07.2015</a:t>
+              <a:t>20.08.2015</a:t>
             </a:fld>
             <a:endParaRPr lang="ru-RU"/>
           </a:p>
@@ -2262,7 +2262,7 @@
           <a:p>
             <a:fld id="{71493C04-D230-4A80-A012-FEA258F99CFF}" type="datetimeFigureOut">
               <a:rPr lang="ru-RU" smtClean="0"/>
-              <a:t>23.07.2015</a:t>
+              <a:t>20.08.2015</a:t>
             </a:fld>
             <a:endParaRPr lang="ru-RU"/>
           </a:p>
@@ -2519,7 +2519,7 @@
           <a:p>
             <a:fld id="{71493C04-D230-4A80-A012-FEA258F99CFF}" type="datetimeFigureOut">
               <a:rPr lang="ru-RU" smtClean="0"/>
-              <a:t>23.07.2015</a:t>
+              <a:t>20.08.2015</a:t>
             </a:fld>
             <a:endParaRPr lang="ru-RU"/>
           </a:p>
@@ -2732,7 +2732,7 @@
           <a:p>
             <a:fld id="{71493C04-D230-4A80-A012-FEA258F99CFF}" type="datetimeFigureOut">
               <a:rPr lang="ru-RU" smtClean="0"/>
-              <a:t>23.07.2015</a:t>
+              <a:t>20.08.2015</a:t>
             </a:fld>
             <a:endParaRPr lang="ru-RU"/>
           </a:p>
@@ -5832,8 +5832,29 @@
                 </a:highlight>
                 <a:latin typeface="Consolas" panose="020B0609020204030204" pitchFamily="49" charset="0"/>
               </a:rPr>
-              <a:t> &gt; 2)</a:t>
-            </a:r>
+              <a:t> </a:t>
+            </a:r>
+            <a:r>
+              <a:rPr lang="en-US" sz="1200" dirty="0" smtClean="0">
+                <a:solidFill>
+                  <a:srgbClr val="000000"/>
+                </a:solidFill>
+                <a:highlight>
+                  <a:srgbClr val="FFFFFF"/>
+                </a:highlight>
+                <a:latin typeface="Consolas" panose="020B0609020204030204" pitchFamily="49" charset="0"/>
+              </a:rPr>
+              <a:t>&gt;= 4)</a:t>
+            </a:r>
+            <a:endParaRPr lang="en-US" sz="1200" dirty="0" smtClean="0">
+              <a:solidFill>
+                <a:srgbClr val="000000"/>
+              </a:solidFill>
+              <a:highlight>
+                <a:srgbClr val="FFFFFF"/>
+              </a:highlight>
+              <a:latin typeface="Consolas" panose="020B0609020204030204" pitchFamily="49" charset="0"/>
+            </a:endParaRPr>
           </a:p>
           <a:p>
             <a:r>
@@ -5910,7 +5931,7 @@
                 </a:highlight>
                 <a:latin typeface="Consolas" panose="020B0609020204030204" pitchFamily="49" charset="0"/>
               </a:rPr>
-              <a:t>numbers.Split</a:t>
+              <a:t>numbers.Substring</a:t>
             </a:r>
             <a:r>
               <a:rPr lang="en-US" sz="1200" dirty="0" smtClean="0">
@@ -5922,56 +5943,17 @@
                 </a:highlight>
                 <a:latin typeface="Consolas" panose="020B0609020204030204" pitchFamily="49" charset="0"/>
               </a:rPr>
-              <a:t>(</a:t>
-            </a:r>
-            <a:r>
-              <a:rPr lang="en-US" sz="1200" dirty="0" smtClean="0">
-                <a:solidFill>
-                  <a:srgbClr val="A31515"/>
-                </a:solidFill>
-                <a:highlight>
-                  <a:srgbClr val="FFFFFF"/>
-                </a:highlight>
-                <a:latin typeface="Consolas" panose="020B0609020204030204" pitchFamily="49" charset="0"/>
-              </a:rPr>
-              <a:t>'</a:t>
-            </a:r>
-            <a:r>
-              <a:rPr lang="en-US" sz="1200" dirty="0" smtClean="0">
-                <a:solidFill>
-                  <a:srgbClr val="FF007F"/>
-                </a:solidFill>
-                <a:highlight>
-                  <a:srgbClr val="FFFFFF"/>
-                </a:highlight>
-                <a:latin typeface="Consolas" panose="020B0609020204030204" pitchFamily="49" charset="0"/>
-              </a:rPr>
-              <a:t>\n</a:t>
-            </a:r>
-            <a:r>
-              <a:rPr lang="en-US" sz="1200" dirty="0" smtClean="0">
-                <a:solidFill>
-                  <a:srgbClr val="A31515"/>
-                </a:solidFill>
-                <a:highlight>
-                  <a:srgbClr val="FFFFFF"/>
-                </a:highlight>
-                <a:latin typeface="Consolas" panose="020B0609020204030204" pitchFamily="49" charset="0"/>
-              </a:rPr>
-              <a:t>'</a:t>
-            </a:r>
-            <a:r>
-              <a:rPr lang="en-US" sz="1200" dirty="0" smtClean="0">
-                <a:solidFill>
-                  <a:srgbClr val="000000"/>
-                </a:solidFill>
-                <a:highlight>
-                  <a:srgbClr val="FFFFFF"/>
-                </a:highlight>
-                <a:latin typeface="Consolas" panose="020B0609020204030204" pitchFamily="49" charset="0"/>
-              </a:rPr>
-              <a:t>)[1];</a:t>
-            </a:r>
+              <a:t>(4);</a:t>
+            </a:r>
+            <a:endParaRPr lang="en-US" sz="1200" dirty="0" smtClean="0">
+              <a:solidFill>
+                <a:srgbClr val="000000"/>
+              </a:solidFill>
+              <a:highlight>
+                <a:srgbClr val="FFFFFF"/>
+              </a:highlight>
+              <a:latin typeface="Consolas" panose="020B0609020204030204" pitchFamily="49" charset="0"/>
+            </a:endParaRPr>
           </a:p>
           <a:p>
             <a:r>
@@ -7535,7 +7517,19 @@
                 </a:highlight>
                 <a:latin typeface="Consolas" panose="020B0609020204030204" pitchFamily="49" charset="0"/>
               </a:rPr>
-              <a:t> &lt;= 2) </a:t>
+              <a:t> </a:t>
+            </a:r>
+            <a:r>
+              <a:rPr lang="en-US" sz="1200" dirty="0" smtClean="0">
+                <a:solidFill>
+                  <a:srgbClr val="000000"/>
+                </a:solidFill>
+                <a:highlight>
+                  <a:srgbClr val="FFFFFF"/>
+                </a:highlight>
+                <a:latin typeface="Consolas" panose="020B0609020204030204" pitchFamily="49" charset="0"/>
+              </a:rPr>
+              <a:t>&lt; 4) </a:t>
             </a:r>
             <a:r>
               <a:rPr lang="en-US" sz="1200" dirty="0" smtClean="0">
@@ -7745,77 +7739,62 @@
               <a:t>    text = </a:t>
             </a:r>
             <a:r>
-              <a:rPr lang="en-US" sz="1200" dirty="0" err="1">
-                <a:solidFill>
-                  <a:srgbClr val="000000"/>
-                </a:solidFill>
-                <a:highlight>
-                  <a:srgbClr val="FFFFFF"/>
-                </a:highlight>
-                <a:latin typeface="Consolas" panose="020B0609020204030204" pitchFamily="49" charset="0"/>
-              </a:rPr>
-              <a:t>text.Split</a:t>
-            </a:r>
-            <a:r>
-              <a:rPr lang="en-US" sz="1200" dirty="0">
-                <a:solidFill>
-                  <a:srgbClr val="000000"/>
-                </a:solidFill>
-                <a:highlight>
-                  <a:srgbClr val="FFFFFF"/>
-                </a:highlight>
-                <a:latin typeface="Consolas" panose="020B0609020204030204" pitchFamily="49" charset="0"/>
-              </a:rPr>
-              <a:t>(</a:t>
-            </a:r>
-            <a:r>
-              <a:rPr lang="en-US" sz="1200" dirty="0">
-                <a:solidFill>
-                  <a:srgbClr val="A31515"/>
-                </a:solidFill>
-                <a:highlight>
-                  <a:srgbClr val="FFFFFF"/>
-                </a:highlight>
-                <a:latin typeface="Consolas" panose="020B0609020204030204" pitchFamily="49" charset="0"/>
-              </a:rPr>
-              <a:t>'</a:t>
-            </a:r>
-            <a:r>
-              <a:rPr lang="en-US" sz="1200" dirty="0">
-                <a:solidFill>
-                  <a:srgbClr val="FF007F"/>
-                </a:solidFill>
-                <a:highlight>
-                  <a:srgbClr val="FFFFFF"/>
-                </a:highlight>
-                <a:latin typeface="Consolas" panose="020B0609020204030204" pitchFamily="49" charset="0"/>
-              </a:rPr>
-              <a:t>\n</a:t>
-            </a:r>
-            <a:r>
-              <a:rPr lang="en-US" sz="1200" dirty="0">
-                <a:solidFill>
-                  <a:srgbClr val="A31515"/>
-                </a:solidFill>
-                <a:highlight>
-                  <a:srgbClr val="FFFFFF"/>
-                </a:highlight>
-                <a:latin typeface="Consolas" panose="020B0609020204030204" pitchFamily="49" charset="0"/>
-              </a:rPr>
-              <a:t>'</a:t>
-            </a:r>
-            <a:r>
-              <a:rPr lang="en-US" sz="1200" dirty="0">
-                <a:solidFill>
-                  <a:srgbClr val="000000"/>
-                </a:solidFill>
-                <a:highlight>
-                  <a:srgbClr val="FFFFFF"/>
-                </a:highlight>
-                <a:latin typeface="Consolas" panose="020B0609020204030204" pitchFamily="49" charset="0"/>
-              </a:rPr>
-              <a:t>)[1];</a:t>
-            </a:r>
+              <a:rPr lang="en-US" sz="1200" dirty="0" err="1" smtClean="0">
+                <a:solidFill>
+                  <a:srgbClr val="000000"/>
+                </a:solidFill>
+                <a:highlight>
+                  <a:srgbClr val="FFFFFF"/>
+                </a:highlight>
+                <a:latin typeface="Consolas" panose="020B0609020204030204" pitchFamily="49" charset="0"/>
+              </a:rPr>
+              <a:t>text</a:t>
+            </a:r>
+            <a:r>
+              <a:rPr lang="en-US" sz="1200" dirty="0" err="1" smtClean="0">
+                <a:solidFill>
+                  <a:srgbClr val="000000"/>
+                </a:solidFill>
+                <a:highlight>
+                  <a:srgbClr val="FFFFFF"/>
+                </a:highlight>
+                <a:latin typeface="Consolas" panose="020B0609020204030204" pitchFamily="49" charset="0"/>
+              </a:rPr>
+              <a:t>.Substring</a:t>
+            </a:r>
+            <a:r>
+              <a:rPr lang="en-US" sz="1200" dirty="0" smtClean="0">
+                <a:solidFill>
+                  <a:srgbClr val="000000"/>
+                </a:solidFill>
+                <a:highlight>
+                  <a:srgbClr val="FFFFFF"/>
+                </a:highlight>
+                <a:latin typeface="Consolas" panose="020B0609020204030204" pitchFamily="49" charset="0"/>
+              </a:rPr>
+              <a:t>(4</a:t>
+            </a:r>
+            <a:r>
+              <a:rPr lang="en-US" sz="1200" dirty="0">
+                <a:solidFill>
+                  <a:srgbClr val="000000"/>
+                </a:solidFill>
+                <a:highlight>
+                  <a:srgbClr val="FFFFFF"/>
+                </a:highlight>
+                <a:latin typeface="Consolas" panose="020B0609020204030204" pitchFamily="49" charset="0"/>
+              </a:rPr>
+              <a:t>);</a:t>
+            </a:r>
+            <a:endParaRPr lang="en-US" sz="1200" dirty="0">
+              <a:solidFill>
+                <a:srgbClr val="000000"/>
+              </a:solidFill>
+              <a:highlight>
+                <a:srgbClr val="FFFFFF"/>
+              </a:highlight>
+              <a:latin typeface="Consolas" panose="020B0609020204030204" pitchFamily="49" charset="0"/>
+            </a:endParaRPr>
           </a:p>
           <a:p>
             <a:r>

--- a/Tdd/StringCalculator Kata.pptx
+++ b/Tdd/StringCalculator Kata.pptx
@@ -261,7 +261,7 @@
           <a:p>
             <a:fld id="{71493C04-D230-4A80-A012-FEA258F99CFF}" type="datetimeFigureOut">
               <a:rPr lang="ru-RU" smtClean="0"/>
-              <a:t>20.08.2015</a:t>
+              <a:t>05.04.2016</a:t>
             </a:fld>
             <a:endParaRPr lang="ru-RU"/>
           </a:p>
@@ -431,7 +431,7 @@
           <a:p>
             <a:fld id="{71493C04-D230-4A80-A012-FEA258F99CFF}" type="datetimeFigureOut">
               <a:rPr lang="ru-RU" smtClean="0"/>
-              <a:t>20.08.2015</a:t>
+              <a:t>05.04.2016</a:t>
             </a:fld>
             <a:endParaRPr lang="ru-RU"/>
           </a:p>
@@ -611,7 +611,7 @@
           <a:p>
             <a:fld id="{71493C04-D230-4A80-A012-FEA258F99CFF}" type="datetimeFigureOut">
               <a:rPr lang="ru-RU" smtClean="0"/>
-              <a:t>20.08.2015</a:t>
+              <a:t>05.04.2016</a:t>
             </a:fld>
             <a:endParaRPr lang="ru-RU"/>
           </a:p>
@@ -781,7 +781,7 @@
           <a:p>
             <a:fld id="{71493C04-D230-4A80-A012-FEA258F99CFF}" type="datetimeFigureOut">
               <a:rPr lang="ru-RU" smtClean="0"/>
-              <a:t>20.08.2015</a:t>
+              <a:t>05.04.2016</a:t>
             </a:fld>
             <a:endParaRPr lang="ru-RU"/>
           </a:p>
@@ -1025,7 +1025,7 @@
           <a:p>
             <a:fld id="{71493C04-D230-4A80-A012-FEA258F99CFF}" type="datetimeFigureOut">
               <a:rPr lang="ru-RU" smtClean="0"/>
-              <a:t>20.08.2015</a:t>
+              <a:t>05.04.2016</a:t>
             </a:fld>
             <a:endParaRPr lang="ru-RU"/>
           </a:p>
@@ -1405,7 +1405,7 @@
           <a:p>
             <a:fld id="{71493C04-D230-4A80-A012-FEA258F99CFF}" type="datetimeFigureOut">
               <a:rPr lang="ru-RU" smtClean="0"/>
-              <a:t>20.08.2015</a:t>
+              <a:t>05.04.2016</a:t>
             </a:fld>
             <a:endParaRPr lang="ru-RU"/>
           </a:p>
@@ -1772,7 +1772,7 @@
           <a:p>
             <a:fld id="{71493C04-D230-4A80-A012-FEA258F99CFF}" type="datetimeFigureOut">
               <a:rPr lang="ru-RU" smtClean="0"/>
-              <a:t>20.08.2015</a:t>
+              <a:t>05.04.2016</a:t>
             </a:fld>
             <a:endParaRPr lang="ru-RU"/>
           </a:p>
@@ -1890,7 +1890,7 @@
           <a:p>
             <a:fld id="{71493C04-D230-4A80-A012-FEA258F99CFF}" type="datetimeFigureOut">
               <a:rPr lang="ru-RU" smtClean="0"/>
-              <a:t>20.08.2015</a:t>
+              <a:t>05.04.2016</a:t>
             </a:fld>
             <a:endParaRPr lang="ru-RU"/>
           </a:p>
@@ -1985,7 +1985,7 @@
           <a:p>
             <a:fld id="{71493C04-D230-4A80-A012-FEA258F99CFF}" type="datetimeFigureOut">
               <a:rPr lang="ru-RU" smtClean="0"/>
-              <a:t>20.08.2015</a:t>
+              <a:t>05.04.2016</a:t>
             </a:fld>
             <a:endParaRPr lang="ru-RU"/>
           </a:p>
@@ -2262,7 +2262,7 @@
           <a:p>
             <a:fld id="{71493C04-D230-4A80-A012-FEA258F99CFF}" type="datetimeFigureOut">
               <a:rPr lang="ru-RU" smtClean="0"/>
-              <a:t>20.08.2015</a:t>
+              <a:t>05.04.2016</a:t>
             </a:fld>
             <a:endParaRPr lang="ru-RU"/>
           </a:p>
@@ -2519,7 +2519,7 @@
           <a:p>
             <a:fld id="{71493C04-D230-4A80-A012-FEA258F99CFF}" type="datetimeFigureOut">
               <a:rPr lang="ru-RU" smtClean="0"/>
-              <a:t>20.08.2015</a:t>
+              <a:t>05.04.2016</a:t>
             </a:fld>
             <a:endParaRPr lang="ru-RU"/>
           </a:p>
@@ -2732,7 +2732,7 @@
           <a:p>
             <a:fld id="{71493C04-D230-4A80-A012-FEA258F99CFF}" type="datetimeFigureOut">
               <a:rPr lang="ru-RU" smtClean="0"/>
-              <a:t>20.08.2015</a:t>
+              <a:t>05.04.2016</a:t>
             </a:fld>
             <a:endParaRPr lang="ru-RU"/>
           </a:p>
@@ -5785,66 +5785,7 @@
                 </a:highlight>
                 <a:latin typeface="Consolas" panose="020B0609020204030204" pitchFamily="49" charset="0"/>
               </a:rPr>
-              <a:t>) </a:t>
-            </a:r>
-            <a:br>
-              <a:rPr lang="en-US" sz="1200" dirty="0" smtClean="0">
-                <a:solidFill>
-                  <a:srgbClr val="000000"/>
-                </a:solidFill>
-                <a:highlight>
-                  <a:srgbClr val="FFFFFF"/>
-                </a:highlight>
-                <a:latin typeface="Consolas" panose="020B0609020204030204" pitchFamily="49" charset="0"/>
-              </a:rPr>
-            </a:br>
-            <a:r>
-              <a:rPr lang="en-US" sz="1200" dirty="0" smtClean="0">
-                <a:solidFill>
-                  <a:srgbClr val="000000"/>
-                </a:solidFill>
-                <a:highlight>
-                  <a:srgbClr val="FFFFFF"/>
-                </a:highlight>
-                <a:latin typeface="Consolas" panose="020B0609020204030204" pitchFamily="49" charset="0"/>
-              </a:rPr>
-              <a:t>        &amp;&amp; </a:t>
-            </a:r>
-            <a:r>
-              <a:rPr lang="en-US" sz="1200" dirty="0" err="1" smtClean="0">
-                <a:solidFill>
-                  <a:srgbClr val="000000"/>
-                </a:solidFill>
-                <a:highlight>
-                  <a:srgbClr val="FFFFFF"/>
-                </a:highlight>
-                <a:latin typeface="Consolas" panose="020B0609020204030204" pitchFamily="49" charset="0"/>
-              </a:rPr>
-              <a:t>numbers.Length</a:t>
-            </a:r>
-            <a:r>
-              <a:rPr lang="en-US" sz="1200" dirty="0" smtClean="0">
-                <a:solidFill>
-                  <a:srgbClr val="000000"/>
-                </a:solidFill>
-                <a:highlight>
-                  <a:srgbClr val="FFFFFF"/>
-                </a:highlight>
-                <a:latin typeface="Consolas" panose="020B0609020204030204" pitchFamily="49" charset="0"/>
-              </a:rPr>
-              <a:t> </a:t>
-            </a:r>
-            <a:r>
-              <a:rPr lang="en-US" sz="1200" dirty="0" smtClean="0">
-                <a:solidFill>
-                  <a:srgbClr val="000000"/>
-                </a:solidFill>
-                <a:highlight>
-                  <a:srgbClr val="FFFFFF"/>
-                </a:highlight>
-                <a:latin typeface="Consolas" panose="020B0609020204030204" pitchFamily="49" charset="0"/>
-              </a:rPr>
-              <a:t>&gt;= 4)</a:t>
+              <a:t>))</a:t>
             </a:r>
             <a:endParaRPr lang="en-US" sz="1200" dirty="0" smtClean="0">
               <a:solidFill>
@@ -5945,15 +5886,6 @@
               </a:rPr>
               <a:t>(4);</a:t>
             </a:r>
-            <a:endParaRPr lang="en-US" sz="1200" dirty="0" smtClean="0">
-              <a:solidFill>
-                <a:srgbClr val="000000"/>
-              </a:solidFill>
-              <a:highlight>
-                <a:srgbClr val="FFFFFF"/>
-              </a:highlight>
-              <a:latin typeface="Consolas" panose="020B0609020204030204" pitchFamily="49" charset="0"/>
-            </a:endParaRPr>
           </a:p>
           <a:p>
             <a:r>
@@ -7425,7 +7357,7 @@
               <a:t>text.StartsWith</a:t>
             </a:r>
             <a:r>
-              <a:rPr lang="en-US" sz="1200" dirty="0">
+              <a:rPr lang="en-US" sz="1200" dirty="0" smtClean="0">
                 <a:solidFill>
                   <a:srgbClr val="000000"/>
                 </a:solidFill>
@@ -7437,7 +7369,7 @@
               <a:t>(</a:t>
             </a:r>
             <a:r>
-              <a:rPr lang="en-US" sz="1200" dirty="0">
+              <a:rPr lang="en-US" sz="1200" dirty="0" smtClean="0">
                 <a:solidFill>
                   <a:srgbClr val="A31515"/>
                 </a:solidFill>
@@ -7449,16 +7381,16 @@
               <a:t>"//"</a:t>
             </a:r>
             <a:r>
-              <a:rPr lang="en-US" sz="1200" dirty="0">
-                <a:solidFill>
-                  <a:srgbClr val="000000"/>
-                </a:solidFill>
-                <a:highlight>
-                  <a:srgbClr val="FFFFFF"/>
-                </a:highlight>
-                <a:latin typeface="Consolas" panose="020B0609020204030204" pitchFamily="49" charset="0"/>
-              </a:rPr>
-              <a:t>) </a:t>
+              <a:rPr lang="en-US" sz="1200" dirty="0" smtClean="0">
+                <a:solidFill>
+                  <a:srgbClr val="000000"/>
+                </a:solidFill>
+                <a:highlight>
+                  <a:srgbClr val="FFFFFF"/>
+                </a:highlight>
+                <a:latin typeface="Consolas" panose="020B0609020204030204" pitchFamily="49" charset="0"/>
+              </a:rPr>
+              <a:t>)) </a:t>
             </a:r>
             <a:r>
               <a:rPr lang="en-US" sz="1200" dirty="0" smtClean="0">
@@ -7493,31 +7425,191 @@
                 </a:highlight>
                 <a:latin typeface="Consolas" panose="020B0609020204030204" pitchFamily="49" charset="0"/>
               </a:rPr>
-              <a:t>        || </a:t>
+              <a:t>        </a:t>
+            </a:r>
+            <a:r>
+              <a:rPr lang="en-US" sz="1200" dirty="0" smtClean="0">
+                <a:solidFill>
+                  <a:srgbClr val="0000FF"/>
+                </a:solidFill>
+                <a:highlight>
+                  <a:srgbClr val="FFFFFF"/>
+                </a:highlight>
+                <a:latin typeface="Consolas" panose="020B0609020204030204" pitchFamily="49" charset="0"/>
+              </a:rPr>
+              <a:t>return</a:t>
+            </a:r>
+            <a:r>
+              <a:rPr lang="en-US" sz="1200" dirty="0" smtClean="0">
+                <a:solidFill>
+                  <a:srgbClr val="000000"/>
+                </a:solidFill>
+                <a:highlight>
+                  <a:srgbClr val="FFFFFF"/>
+                </a:highlight>
+                <a:latin typeface="Consolas" panose="020B0609020204030204" pitchFamily="49" charset="0"/>
+              </a:rPr>
+              <a:t> </a:t>
+            </a:r>
+            <a:r>
+              <a:rPr lang="en-US" sz="1200" dirty="0">
+                <a:solidFill>
+                  <a:srgbClr val="0000FF"/>
+                </a:solidFill>
+                <a:highlight>
+                  <a:srgbClr val="FFFFFF"/>
+                </a:highlight>
+                <a:latin typeface="Consolas" panose="020B0609020204030204" pitchFamily="49" charset="0"/>
+              </a:rPr>
+              <a:t>new</a:t>
+            </a:r>
+            <a:r>
+              <a:rPr lang="en-US" sz="1200" dirty="0">
+                <a:solidFill>
+                  <a:srgbClr val="000000"/>
+                </a:solidFill>
+                <a:highlight>
+                  <a:srgbClr val="FFFFFF"/>
+                </a:highlight>
+                <a:latin typeface="Consolas" panose="020B0609020204030204" pitchFamily="49" charset="0"/>
+              </a:rPr>
+              <a:t>[] {</a:t>
+            </a:r>
+            <a:r>
+              <a:rPr lang="en-US" sz="1200" dirty="0">
+                <a:solidFill>
+                  <a:srgbClr val="A31515"/>
+                </a:solidFill>
+                <a:highlight>
+                  <a:srgbClr val="FFFFFF"/>
+                </a:highlight>
+                <a:latin typeface="Consolas" panose="020B0609020204030204" pitchFamily="49" charset="0"/>
+              </a:rPr>
+              <a:t>','</a:t>
+            </a:r>
+            <a:r>
+              <a:rPr lang="en-US" sz="1200" dirty="0">
+                <a:solidFill>
+                  <a:srgbClr val="000000"/>
+                </a:solidFill>
+                <a:highlight>
+                  <a:srgbClr val="FFFFFF"/>
+                </a:highlight>
+                <a:latin typeface="Consolas" panose="020B0609020204030204" pitchFamily="49" charset="0"/>
+              </a:rPr>
+              <a:t>, </a:t>
+            </a:r>
+            <a:r>
+              <a:rPr lang="en-US" sz="1200" dirty="0">
+                <a:solidFill>
+                  <a:srgbClr val="A31515"/>
+                </a:solidFill>
+                <a:highlight>
+                  <a:srgbClr val="FFFFFF"/>
+                </a:highlight>
+                <a:latin typeface="Consolas" panose="020B0609020204030204" pitchFamily="49" charset="0"/>
+              </a:rPr>
+              <a:t>'</a:t>
+            </a:r>
+            <a:r>
+              <a:rPr lang="en-US" sz="1200" dirty="0">
+                <a:solidFill>
+                  <a:srgbClr val="FF007F"/>
+                </a:solidFill>
+                <a:highlight>
+                  <a:srgbClr val="FFFFFF"/>
+                </a:highlight>
+                <a:latin typeface="Consolas" panose="020B0609020204030204" pitchFamily="49" charset="0"/>
+              </a:rPr>
+              <a:t>\n</a:t>
+            </a:r>
+            <a:r>
+              <a:rPr lang="en-US" sz="1200" dirty="0">
+                <a:solidFill>
+                  <a:srgbClr val="A31515"/>
+                </a:solidFill>
+                <a:highlight>
+                  <a:srgbClr val="FFFFFF"/>
+                </a:highlight>
+                <a:latin typeface="Consolas" panose="020B0609020204030204" pitchFamily="49" charset="0"/>
+              </a:rPr>
+              <a:t>'</a:t>
+            </a:r>
+            <a:r>
+              <a:rPr lang="en-US" sz="1200" dirty="0">
+                <a:solidFill>
+                  <a:srgbClr val="000000"/>
+                </a:solidFill>
+                <a:highlight>
+                  <a:srgbClr val="FFFFFF"/>
+                </a:highlight>
+                <a:latin typeface="Consolas" panose="020B0609020204030204" pitchFamily="49" charset="0"/>
+              </a:rPr>
+              <a:t>};</a:t>
+            </a:r>
+          </a:p>
+          <a:p>
+            <a:r>
+              <a:rPr lang="en-US" sz="1200" dirty="0">
+                <a:solidFill>
+                  <a:srgbClr val="000000"/>
+                </a:solidFill>
+                <a:highlight>
+                  <a:srgbClr val="FFFFFF"/>
+                </a:highlight>
+                <a:latin typeface="Consolas" panose="020B0609020204030204" pitchFamily="49" charset="0"/>
+              </a:rPr>
+              <a:t>    </a:t>
             </a:r>
             <a:r>
               <a:rPr lang="en-US" sz="1200" dirty="0" err="1">
                 <a:solidFill>
-                  <a:srgbClr val="000000"/>
-                </a:solidFill>
-                <a:highlight>
-                  <a:srgbClr val="FFFFFF"/>
-                </a:highlight>
-                <a:latin typeface="Consolas" panose="020B0609020204030204" pitchFamily="49" charset="0"/>
-              </a:rPr>
-              <a:t>text.Length</a:t>
-            </a:r>
-            <a:r>
-              <a:rPr lang="en-US" sz="1200" dirty="0">
-                <a:solidFill>
-                  <a:srgbClr val="000000"/>
-                </a:solidFill>
-                <a:highlight>
-                  <a:srgbClr val="FFFFFF"/>
-                </a:highlight>
-                <a:latin typeface="Consolas" panose="020B0609020204030204" pitchFamily="49" charset="0"/>
-              </a:rPr>
-              <a:t> </a:t>
+                  <a:srgbClr val="0000FF"/>
+                </a:solidFill>
+                <a:highlight>
+                  <a:srgbClr val="FFFFFF"/>
+                </a:highlight>
+                <a:latin typeface="Consolas" panose="020B0609020204030204" pitchFamily="49" charset="0"/>
+              </a:rPr>
+              <a:t>var</a:t>
+            </a:r>
+            <a:r>
+              <a:rPr lang="en-US" sz="1200" dirty="0">
+                <a:solidFill>
+                  <a:srgbClr val="000000"/>
+                </a:solidFill>
+                <a:highlight>
+                  <a:srgbClr val="FFFFFF"/>
+                </a:highlight>
+                <a:latin typeface="Consolas" panose="020B0609020204030204" pitchFamily="49" charset="0"/>
+              </a:rPr>
+              <a:t> delimiter = text[2];</a:t>
+            </a:r>
+          </a:p>
+          <a:p>
+            <a:r>
+              <a:rPr lang="en-US" sz="1200" dirty="0">
+                <a:solidFill>
+                  <a:srgbClr val="000000"/>
+                </a:solidFill>
+                <a:highlight>
+                  <a:srgbClr val="FFFFFF"/>
+                </a:highlight>
+                <a:latin typeface="Consolas" panose="020B0609020204030204" pitchFamily="49" charset="0"/>
+              </a:rPr>
+              <a:t>    text = </a:t>
+            </a:r>
+            <a:r>
+              <a:rPr lang="en-US" sz="1200" dirty="0" err="1" smtClean="0">
+                <a:solidFill>
+                  <a:srgbClr val="000000"/>
+                </a:solidFill>
+                <a:highlight>
+                  <a:srgbClr val="FFFFFF"/>
+                </a:highlight>
+                <a:latin typeface="Consolas" panose="020B0609020204030204" pitchFamily="49" charset="0"/>
+              </a:rPr>
+              <a:t>text.Substring</a:t>
             </a:r>
             <a:r>
               <a:rPr lang="en-US" sz="1200" dirty="0" smtClean="0">
@@ -7529,249 +7621,6 @@
                 </a:highlight>
                 <a:latin typeface="Consolas" panose="020B0609020204030204" pitchFamily="49" charset="0"/>
               </a:rPr>
-              <a:t>&lt; 4) </a:t>
-            </a:r>
-            <a:r>
-              <a:rPr lang="en-US" sz="1200" dirty="0" smtClean="0">
-                <a:solidFill>
-                  <a:srgbClr val="000000"/>
-                </a:solidFill>
-                <a:highlight>
-                  <a:srgbClr val="FFFFFF"/>
-                </a:highlight>
-                <a:latin typeface="Consolas" panose="020B0609020204030204" pitchFamily="49" charset="0"/>
-              </a:rPr>
-              <a:t/>
-            </a:r>
-            <a:br>
-              <a:rPr lang="en-US" sz="1200" dirty="0" smtClean="0">
-                <a:solidFill>
-                  <a:srgbClr val="000000"/>
-                </a:solidFill>
-                <a:highlight>
-                  <a:srgbClr val="FFFFFF"/>
-                </a:highlight>
-                <a:latin typeface="Consolas" panose="020B0609020204030204" pitchFamily="49" charset="0"/>
-              </a:rPr>
-            </a:br>
-            <a:r>
-              <a:rPr lang="en-US" sz="1200" dirty="0" smtClean="0">
-                <a:solidFill>
-                  <a:srgbClr val="000000"/>
-                </a:solidFill>
-                <a:highlight>
-                  <a:srgbClr val="FFFFFF"/>
-                </a:highlight>
-                <a:latin typeface="Consolas" panose="020B0609020204030204" pitchFamily="49" charset="0"/>
-              </a:rPr>
-              <a:t>        </a:t>
-            </a:r>
-            <a:r>
-              <a:rPr lang="en-US" sz="1200" dirty="0" smtClean="0">
-                <a:solidFill>
-                  <a:srgbClr val="0000FF"/>
-                </a:solidFill>
-                <a:highlight>
-                  <a:srgbClr val="FFFFFF"/>
-                </a:highlight>
-                <a:latin typeface="Consolas" panose="020B0609020204030204" pitchFamily="49" charset="0"/>
-              </a:rPr>
-              <a:t>return</a:t>
-            </a:r>
-            <a:r>
-              <a:rPr lang="en-US" sz="1200" dirty="0" smtClean="0">
-                <a:solidFill>
-                  <a:srgbClr val="000000"/>
-                </a:solidFill>
-                <a:highlight>
-                  <a:srgbClr val="FFFFFF"/>
-                </a:highlight>
-                <a:latin typeface="Consolas" panose="020B0609020204030204" pitchFamily="49" charset="0"/>
-              </a:rPr>
-              <a:t> </a:t>
-            </a:r>
-            <a:r>
-              <a:rPr lang="en-US" sz="1200" dirty="0">
-                <a:solidFill>
-                  <a:srgbClr val="0000FF"/>
-                </a:solidFill>
-                <a:highlight>
-                  <a:srgbClr val="FFFFFF"/>
-                </a:highlight>
-                <a:latin typeface="Consolas" panose="020B0609020204030204" pitchFamily="49" charset="0"/>
-              </a:rPr>
-              <a:t>new</a:t>
-            </a:r>
-            <a:r>
-              <a:rPr lang="en-US" sz="1200" dirty="0">
-                <a:solidFill>
-                  <a:srgbClr val="000000"/>
-                </a:solidFill>
-                <a:highlight>
-                  <a:srgbClr val="FFFFFF"/>
-                </a:highlight>
-                <a:latin typeface="Consolas" panose="020B0609020204030204" pitchFamily="49" charset="0"/>
-              </a:rPr>
-              <a:t>[] {</a:t>
-            </a:r>
-            <a:r>
-              <a:rPr lang="en-US" sz="1200" dirty="0">
-                <a:solidFill>
-                  <a:srgbClr val="A31515"/>
-                </a:solidFill>
-                <a:highlight>
-                  <a:srgbClr val="FFFFFF"/>
-                </a:highlight>
-                <a:latin typeface="Consolas" panose="020B0609020204030204" pitchFamily="49" charset="0"/>
-              </a:rPr>
-              <a:t>','</a:t>
-            </a:r>
-            <a:r>
-              <a:rPr lang="en-US" sz="1200" dirty="0">
-                <a:solidFill>
-                  <a:srgbClr val="000000"/>
-                </a:solidFill>
-                <a:highlight>
-                  <a:srgbClr val="FFFFFF"/>
-                </a:highlight>
-                <a:latin typeface="Consolas" panose="020B0609020204030204" pitchFamily="49" charset="0"/>
-              </a:rPr>
-              <a:t>, </a:t>
-            </a:r>
-            <a:r>
-              <a:rPr lang="en-US" sz="1200" dirty="0">
-                <a:solidFill>
-                  <a:srgbClr val="A31515"/>
-                </a:solidFill>
-                <a:highlight>
-                  <a:srgbClr val="FFFFFF"/>
-                </a:highlight>
-                <a:latin typeface="Consolas" panose="020B0609020204030204" pitchFamily="49" charset="0"/>
-              </a:rPr>
-              <a:t>'</a:t>
-            </a:r>
-            <a:r>
-              <a:rPr lang="en-US" sz="1200" dirty="0">
-                <a:solidFill>
-                  <a:srgbClr val="FF007F"/>
-                </a:solidFill>
-                <a:highlight>
-                  <a:srgbClr val="FFFFFF"/>
-                </a:highlight>
-                <a:latin typeface="Consolas" panose="020B0609020204030204" pitchFamily="49" charset="0"/>
-              </a:rPr>
-              <a:t>\n</a:t>
-            </a:r>
-            <a:r>
-              <a:rPr lang="en-US" sz="1200" dirty="0">
-                <a:solidFill>
-                  <a:srgbClr val="A31515"/>
-                </a:solidFill>
-                <a:highlight>
-                  <a:srgbClr val="FFFFFF"/>
-                </a:highlight>
-                <a:latin typeface="Consolas" panose="020B0609020204030204" pitchFamily="49" charset="0"/>
-              </a:rPr>
-              <a:t>'</a:t>
-            </a:r>
-            <a:r>
-              <a:rPr lang="en-US" sz="1200" dirty="0">
-                <a:solidFill>
-                  <a:srgbClr val="000000"/>
-                </a:solidFill>
-                <a:highlight>
-                  <a:srgbClr val="FFFFFF"/>
-                </a:highlight>
-                <a:latin typeface="Consolas" panose="020B0609020204030204" pitchFamily="49" charset="0"/>
-              </a:rPr>
-              <a:t>};</a:t>
-            </a:r>
-          </a:p>
-          <a:p>
-            <a:r>
-              <a:rPr lang="en-US" sz="1200" dirty="0">
-                <a:solidFill>
-                  <a:srgbClr val="000000"/>
-                </a:solidFill>
-                <a:highlight>
-                  <a:srgbClr val="FFFFFF"/>
-                </a:highlight>
-                <a:latin typeface="Consolas" panose="020B0609020204030204" pitchFamily="49" charset="0"/>
-              </a:rPr>
-              <a:t>    </a:t>
-            </a:r>
-            <a:r>
-              <a:rPr lang="en-US" sz="1200" dirty="0" err="1">
-                <a:solidFill>
-                  <a:srgbClr val="0000FF"/>
-                </a:solidFill>
-                <a:highlight>
-                  <a:srgbClr val="FFFFFF"/>
-                </a:highlight>
-                <a:latin typeface="Consolas" panose="020B0609020204030204" pitchFamily="49" charset="0"/>
-              </a:rPr>
-              <a:t>var</a:t>
-            </a:r>
-            <a:r>
-              <a:rPr lang="en-US" sz="1200" dirty="0">
-                <a:solidFill>
-                  <a:srgbClr val="000000"/>
-                </a:solidFill>
-                <a:highlight>
-                  <a:srgbClr val="FFFFFF"/>
-                </a:highlight>
-                <a:latin typeface="Consolas" panose="020B0609020204030204" pitchFamily="49" charset="0"/>
-              </a:rPr>
-              <a:t> delimiter = text[2];</a:t>
-            </a:r>
-          </a:p>
-          <a:p>
-            <a:r>
-              <a:rPr lang="en-US" sz="1200" dirty="0">
-                <a:solidFill>
-                  <a:srgbClr val="000000"/>
-                </a:solidFill>
-                <a:highlight>
-                  <a:srgbClr val="FFFFFF"/>
-                </a:highlight>
-                <a:latin typeface="Consolas" panose="020B0609020204030204" pitchFamily="49" charset="0"/>
-              </a:rPr>
-              <a:t>    text = </a:t>
-            </a:r>
-            <a:r>
-              <a:rPr lang="en-US" sz="1200" dirty="0" err="1" smtClean="0">
-                <a:solidFill>
-                  <a:srgbClr val="000000"/>
-                </a:solidFill>
-                <a:highlight>
-                  <a:srgbClr val="FFFFFF"/>
-                </a:highlight>
-                <a:latin typeface="Consolas" panose="020B0609020204030204" pitchFamily="49" charset="0"/>
-              </a:rPr>
-              <a:t>text</a:t>
-            </a:r>
-            <a:r>
-              <a:rPr lang="en-US" sz="1200" dirty="0" err="1" smtClean="0">
-                <a:solidFill>
-                  <a:srgbClr val="000000"/>
-                </a:solidFill>
-                <a:highlight>
-                  <a:srgbClr val="FFFFFF"/>
-                </a:highlight>
-                <a:latin typeface="Consolas" panose="020B0609020204030204" pitchFamily="49" charset="0"/>
-              </a:rPr>
-              <a:t>.Substring</a:t>
-            </a:r>
-            <a:r>
-              <a:rPr lang="en-US" sz="1200" dirty="0" smtClean="0">
-                <a:solidFill>
-                  <a:srgbClr val="000000"/>
-                </a:solidFill>
-                <a:highlight>
-                  <a:srgbClr val="FFFFFF"/>
-                </a:highlight>
-                <a:latin typeface="Consolas" panose="020B0609020204030204" pitchFamily="49" charset="0"/>
-              </a:rPr>
               <a:t>(4</a:t>
             </a:r>
             <a:r>
@@ -7786,15 +7635,6 @@
               </a:rPr>
               <a:t>);</a:t>
             </a:r>
-            <a:endParaRPr lang="en-US" sz="1200" dirty="0">
-              <a:solidFill>
-                <a:srgbClr val="000000"/>
-              </a:solidFill>
-              <a:highlight>
-                <a:srgbClr val="FFFFFF"/>
-              </a:highlight>
-              <a:latin typeface="Consolas" panose="020B0609020204030204" pitchFamily="49" charset="0"/>
-            </a:endParaRPr>
           </a:p>
           <a:p>
             <a:r>
@@ -12436,18 +12276,6 @@
               <a:t> </a:t>
             </a:r>
             <a:r>
-              <a:rPr lang="en-US" sz="1200" dirty="0" err="1">
-                <a:solidFill>
-                  <a:srgbClr val="000000"/>
-                </a:solidFill>
-                <a:highlight>
-                  <a:srgbClr val="FFFFFF"/>
-                </a:highlight>
-                <a:latin typeface="Consolas" panose="020B0609020204030204" pitchFamily="49" charset="0"/>
-              </a:rPr>
-              <a:t>nums</a:t>
-            </a:r>
-            <a:r>
               <a:rPr lang="en-US" sz="1200" dirty="0" err="1" smtClean="0">
                 <a:solidFill>
                   <a:srgbClr val="000000"/>
@@ -12457,7 +12285,7 @@
                 </a:highlight>
                 <a:latin typeface="Consolas" panose="020B0609020204030204" pitchFamily="49" charset="0"/>
               </a:rPr>
-              <a:t>.Any</a:t>
+              <a:t>nums.Sum</a:t>
             </a:r>
             <a:r>
               <a:rPr lang="en-US" sz="1200" dirty="0" smtClean="0">
@@ -12469,43 +12297,7 @@
                 </a:highlight>
                 <a:latin typeface="Consolas" panose="020B0609020204030204" pitchFamily="49" charset="0"/>
               </a:rPr>
-              <a:t>() ? </a:t>
-            </a:r>
-            <a:r>
-              <a:rPr lang="en-US" sz="1200" dirty="0" err="1">
-                <a:solidFill>
-                  <a:srgbClr val="000000"/>
-                </a:solidFill>
-                <a:highlight>
-                  <a:srgbClr val="FFFFFF"/>
-                </a:highlight>
-                <a:latin typeface="Consolas" panose="020B0609020204030204" pitchFamily="49" charset="0"/>
-              </a:rPr>
-              <a:t>nums</a:t>
-            </a:r>
-            <a:r>
-              <a:rPr lang="en-US" sz="1200" dirty="0" err="1" smtClean="0">
-                <a:solidFill>
-                  <a:srgbClr val="000000"/>
-                </a:solidFill>
-                <a:highlight>
-                  <a:srgbClr val="FFFFFF"/>
-                </a:highlight>
-                <a:latin typeface="Consolas" panose="020B0609020204030204" pitchFamily="49" charset="0"/>
-              </a:rPr>
-              <a:t>.Sum</a:t>
-            </a:r>
-            <a:r>
-              <a:rPr lang="en-US" sz="1200" dirty="0">
-                <a:solidFill>
-                  <a:srgbClr val="000000"/>
-                </a:solidFill>
-                <a:highlight>
-                  <a:srgbClr val="FFFFFF"/>
-                </a:highlight>
-                <a:latin typeface="Consolas" panose="020B0609020204030204" pitchFamily="49" charset="0"/>
-              </a:rPr>
-              <a:t>() : 0</a:t>
+              <a:t>();</a:t>
             </a:r>
             <a:r>
               <a:rPr lang="en-US" sz="1200" dirty="0" smtClean="0">
@@ -12517,7 +12309,7 @@
                 </a:highlight>
                 <a:latin typeface="Consolas" panose="020B0609020204030204" pitchFamily="49" charset="0"/>
               </a:rPr>
-              <a:t>;</a:t>
+              <a:t/>
             </a:r>
             <a:br>
               <a:rPr lang="en-US" sz="1200" dirty="0" smtClean="0">
